--- a/Apresentação/IntensiveDelphi2020.pptx
+++ b/Apresentação/IntensiveDelphi2020.pptx
@@ -845,7 +845,7 @@
             <a:fld id="{B61BEF0D-F0BB-DE4B-95CE-6DB70DBA9567}" type="datetimeFigureOut">
               <a:rPr lang="en-US" dirty="0"/>
               <a:pPr/>
-              <a:t>12/12/2020</a:t>
+              <a:t>12/13/2020</a:t>
             </a:fld>
             <a:endParaRPr lang="en-US" dirty="0"/>
           </a:p>
@@ -1093,7 +1093,7 @@
             <a:fld id="{B61BEF0D-F0BB-DE4B-95CE-6DB70DBA9567}" type="datetimeFigureOut">
               <a:rPr lang="en-US" dirty="0"/>
               <a:pPr/>
-              <a:t>12/12/2020</a:t>
+              <a:t>12/13/2020</a:t>
             </a:fld>
             <a:endParaRPr lang="en-US" dirty="0"/>
           </a:p>
@@ -1404,7 +1404,7 @@
             <a:fld id="{B61BEF0D-F0BB-DE4B-95CE-6DB70DBA9567}" type="datetimeFigureOut">
               <a:rPr lang="en-US" dirty="0"/>
               <a:pPr/>
-              <a:t>12/12/2020</a:t>
+              <a:t>12/13/2020</a:t>
             </a:fld>
             <a:endParaRPr lang="en-US" dirty="0"/>
           </a:p>
@@ -1742,7 +1742,7 @@
             <a:fld id="{B61BEF0D-F0BB-DE4B-95CE-6DB70DBA9567}" type="datetimeFigureOut">
               <a:rPr lang="en-US" dirty="0"/>
               <a:pPr/>
-              <a:t>12/12/2020</a:t>
+              <a:t>12/13/2020</a:t>
             </a:fld>
             <a:endParaRPr lang="en-US" dirty="0"/>
           </a:p>
@@ -2053,7 +2053,7 @@
             <a:fld id="{B61BEF0D-F0BB-DE4B-95CE-6DB70DBA9567}" type="datetimeFigureOut">
               <a:rPr lang="en-US" dirty="0"/>
               <a:pPr/>
-              <a:t>12/12/2020</a:t>
+              <a:t>12/13/2020</a:t>
             </a:fld>
             <a:endParaRPr lang="en-US" dirty="0"/>
           </a:p>
@@ -2443,7 +2443,7 @@
             <a:fld id="{B61BEF0D-F0BB-DE4B-95CE-6DB70DBA9567}" type="datetimeFigureOut">
               <a:rPr lang="en-US" dirty="0"/>
               <a:pPr/>
-              <a:t>12/12/2020</a:t>
+              <a:t>12/13/2020</a:t>
             </a:fld>
             <a:endParaRPr lang="en-US" dirty="0"/>
           </a:p>
@@ -2609,7 +2609,7 @@
           <a:p>
             <a:fld id="{55C6B4A9-1611-4792-9094-5F34BCA07E0B}" type="datetimeFigureOut">
               <a:rPr lang="en-US" dirty="0"/>
-              <a:t>12/12/2020</a:t>
+              <a:t>12/13/2020</a:t>
             </a:fld>
             <a:endParaRPr lang="en-US" dirty="0"/>
           </a:p>
@@ -2785,7 +2785,7 @@
             <a:fld id="{B61BEF0D-F0BB-DE4B-95CE-6DB70DBA9567}" type="datetimeFigureOut">
               <a:rPr lang="en-US" dirty="0"/>
               <a:pPr/>
-              <a:t>12/12/2020</a:t>
+              <a:t>12/13/2020</a:t>
             </a:fld>
             <a:endParaRPr lang="en-US" dirty="0"/>
           </a:p>
@@ -2958,7 +2958,7 @@
             <a:fld id="{B61BEF0D-F0BB-DE4B-95CE-6DB70DBA9567}" type="datetimeFigureOut">
               <a:rPr lang="en-US" dirty="0"/>
               <a:pPr/>
-              <a:t>12/12/2020</a:t>
+              <a:t>12/13/2020</a:t>
             </a:fld>
             <a:endParaRPr lang="en-US" dirty="0"/>
           </a:p>
@@ -3202,7 +3202,7 @@
             <a:fld id="{B61BEF0D-F0BB-DE4B-95CE-6DB70DBA9567}" type="datetimeFigureOut">
               <a:rPr lang="en-US" dirty="0"/>
               <a:pPr/>
-              <a:t>12/12/2020</a:t>
+              <a:t>12/13/2020</a:t>
             </a:fld>
             <a:endParaRPr lang="en-US" dirty="0"/>
           </a:p>
@@ -3430,7 +3430,7 @@
           <a:p>
             <a:fld id="{EB712588-04B1-427B-82EE-E8DB90309F08}" type="datetimeFigureOut">
               <a:rPr lang="en-US" dirty="0"/>
-              <a:t>12/12/2020</a:t>
+              <a:t>12/13/2020</a:t>
             </a:fld>
             <a:endParaRPr lang="en-US" dirty="0"/>
           </a:p>
@@ -3800,7 +3800,7 @@
             <a:fld id="{B61BEF0D-F0BB-DE4B-95CE-6DB70DBA9567}" type="datetimeFigureOut">
               <a:rPr lang="en-US" dirty="0"/>
               <a:pPr/>
-              <a:t>12/12/2020</a:t>
+              <a:t>12/13/2020</a:t>
             </a:fld>
             <a:endParaRPr lang="en-US" dirty="0"/>
           </a:p>
@@ -3920,7 +3920,7 @@
             <a:fld id="{B61BEF0D-F0BB-DE4B-95CE-6DB70DBA9567}" type="datetimeFigureOut">
               <a:rPr lang="en-US" dirty="0"/>
               <a:pPr/>
-              <a:t>12/12/2020</a:t>
+              <a:t>12/13/2020</a:t>
             </a:fld>
             <a:endParaRPr lang="en-US" dirty="0"/>
           </a:p>
@@ -4012,7 +4012,7 @@
             <a:fld id="{B61BEF0D-F0BB-DE4B-95CE-6DB70DBA9567}" type="datetimeFigureOut">
               <a:rPr lang="en-US" dirty="0"/>
               <a:pPr/>
-              <a:t>12/12/2020</a:t>
+              <a:t>12/13/2020</a:t>
             </a:fld>
             <a:endParaRPr lang="en-US" dirty="0"/>
           </a:p>
@@ -4263,7 +4263,7 @@
           <a:p>
             <a:fld id="{42A54C80-263E-416B-A8E0-580EDEADCBDC}" type="datetimeFigureOut">
               <a:rPr lang="en-US" dirty="0"/>
-              <a:t>12/12/2020</a:t>
+              <a:t>12/13/2020</a:t>
             </a:fld>
             <a:endParaRPr lang="en-US" dirty="0"/>
           </a:p>
@@ -4522,7 +4522,7 @@
             <a:fld id="{B61BEF0D-F0BB-DE4B-95CE-6DB70DBA9567}" type="datetimeFigureOut">
               <a:rPr lang="en-US" dirty="0"/>
               <a:pPr/>
-              <a:t>12/12/2020</a:t>
+              <a:t>12/13/2020</a:t>
             </a:fld>
             <a:endParaRPr lang="en-US" dirty="0"/>
           </a:p>
@@ -5262,7 +5262,7 @@
             <a:fld id="{B61BEF0D-F0BB-DE4B-95CE-6DB70DBA9567}" type="datetimeFigureOut">
               <a:rPr lang="en-US" dirty="0"/>
               <a:pPr/>
-              <a:t>12/12/2020</a:t>
+              <a:t>12/13/2020</a:t>
             </a:fld>
             <a:endParaRPr lang="en-US" dirty="0"/>
           </a:p>
@@ -7838,7 +7838,6 @@
               <a:rPr lang="pt-BR" dirty="0" smtClean="0"/>
               <a:t>Auth Bearer</a:t>
             </a:r>
-            <a:endParaRPr lang="pt-BR" dirty="0" smtClean="0"/>
           </a:p>
         </p:txBody>
       </p:sp>
@@ -7932,7 +7931,15 @@
           <a:p>
             <a:r>
               <a:rPr lang="pt-BR" dirty="0" smtClean="0"/>
-              <a:t>Significado da palavra: Termo entendido como “</a:t>
+              <a:t>Significado da palavra: </a:t>
+            </a:r>
+            <a:r>
+              <a:rPr lang="pt-BR" dirty="0" smtClean="0"/>
+              <a:t>Termo urbano </a:t>
+            </a:r>
+            <a:r>
+              <a:rPr lang="pt-BR" dirty="0" smtClean="0"/>
+              <a:t>entendido como “</a:t>
             </a:r>
             <a:r>
               <a:rPr lang="pt-BR" b="1" dirty="0" smtClean="0"/>
@@ -8558,6 +8565,35 @@
           </a:prstGeom>
         </p:spPr>
       </p:pic>
+      <p:sp>
+        <p:nvSpPr>
+          <p:cNvPr id="5" name="TextBox 4"/>
+          <p:cNvSpPr txBox="1"/>
+          <p:nvPr/>
+        </p:nvSpPr>
+        <p:spPr>
+          <a:xfrm>
+            <a:off x="677334" y="1270000"/>
+            <a:ext cx="4240263" cy="369332"/>
+          </a:xfrm>
+          <a:prstGeom prst="rect">
+            <a:avLst/>
+          </a:prstGeom>
+          <a:noFill/>
+        </p:spPr>
+        <p:txBody>
+          <a:bodyPr wrap="none" rtlCol="0">
+            <a:spAutoFit/>
+          </a:bodyPr>
+          <a:lstStyle/>
+          <a:p>
+            <a:r>
+              <a:rPr lang="pt-BR" dirty="0"/>
+              <a:t>github.com/gabrielbaltazar/gbswagger</a:t>
+            </a:r>
+          </a:p>
+        </p:txBody>
+      </p:sp>
     </p:spTree>
     <p:extLst>
       <p:ext uri="{BB962C8B-B14F-4D97-AF65-F5344CB8AC3E}">
